--- a/Hello World.pptx
+++ b/Hello World.pptx
@@ -3137,7 +3137,23 @@
           <a:bodyPr/>
           <a:lstStyle/>
           <a:p>
-            <a:endParaRPr lang="de-DE"/>
+            <a:r>
+              <a:rPr lang="de-DE" dirty="0" err="1"/>
+              <a:t>h</a:t>
+            </a:r>
+            <a:r>
+              <a:rPr lang="de-DE" smtClean="0"/>
+              <a:t>ello</a:t>
+            </a:r>
+            <a:r>
+              <a:rPr lang="de-DE" dirty="0" smtClean="0"/>
+              <a:t> </a:t>
+            </a:r>
+            <a:r>
+              <a:rPr lang="de-DE" dirty="0" err="1" smtClean="0"/>
+              <a:t>world</a:t>
+            </a:r>
+            <a:endParaRPr lang="de-DE" dirty="0"/>
           </a:p>
         </p:txBody>
       </p:sp>

--- a/Hello World.pptx
+++ b/Hello World.pptx
@@ -6,6 +6,7 @@
   </p:sldMasterIdLst>
   <p:sldIdLst>
     <p:sldId id="256" r:id="rId2"/>
+    <p:sldId id="257" r:id="rId3"/>
   </p:sldIdLst>
   <p:sldSz cx="9144000" cy="6858000" type="screen4x3"/>
   <p:notesSz cx="6858000" cy="9144000"/>
@@ -288,7 +289,7 @@
           <a:p>
             <a:fld id="{3F796127-597D-4687-9E24-EC5AB0C17A24}" type="datetimeFigureOut">
               <a:rPr lang="de-DE" smtClean="0"/>
-              <a:t>10.11.2019</a:t>
+              <a:t>14.11.2019</a:t>
             </a:fld>
             <a:endParaRPr lang="de-DE"/>
           </a:p>
@@ -458,7 +459,7 @@
           <a:p>
             <a:fld id="{3F796127-597D-4687-9E24-EC5AB0C17A24}" type="datetimeFigureOut">
               <a:rPr lang="de-DE" smtClean="0"/>
-              <a:t>10.11.2019</a:t>
+              <a:t>14.11.2019</a:t>
             </a:fld>
             <a:endParaRPr lang="de-DE"/>
           </a:p>
@@ -638,7 +639,7 @@
           <a:p>
             <a:fld id="{3F796127-597D-4687-9E24-EC5AB0C17A24}" type="datetimeFigureOut">
               <a:rPr lang="de-DE" smtClean="0"/>
-              <a:t>10.11.2019</a:t>
+              <a:t>14.11.2019</a:t>
             </a:fld>
             <a:endParaRPr lang="de-DE"/>
           </a:p>
@@ -808,7 +809,7 @@
           <a:p>
             <a:fld id="{3F796127-597D-4687-9E24-EC5AB0C17A24}" type="datetimeFigureOut">
               <a:rPr lang="de-DE" smtClean="0"/>
-              <a:t>10.11.2019</a:t>
+              <a:t>14.11.2019</a:t>
             </a:fld>
             <a:endParaRPr lang="de-DE"/>
           </a:p>
@@ -1054,7 +1055,7 @@
           <a:p>
             <a:fld id="{3F796127-597D-4687-9E24-EC5AB0C17A24}" type="datetimeFigureOut">
               <a:rPr lang="de-DE" smtClean="0"/>
-              <a:t>10.11.2019</a:t>
+              <a:t>14.11.2019</a:t>
             </a:fld>
             <a:endParaRPr lang="de-DE"/>
           </a:p>
@@ -1342,7 +1343,7 @@
           <a:p>
             <a:fld id="{3F796127-597D-4687-9E24-EC5AB0C17A24}" type="datetimeFigureOut">
               <a:rPr lang="de-DE" smtClean="0"/>
-              <a:t>10.11.2019</a:t>
+              <a:t>14.11.2019</a:t>
             </a:fld>
             <a:endParaRPr lang="de-DE"/>
           </a:p>
@@ -1764,7 +1765,7 @@
           <a:p>
             <a:fld id="{3F796127-597D-4687-9E24-EC5AB0C17A24}" type="datetimeFigureOut">
               <a:rPr lang="de-DE" smtClean="0"/>
-              <a:t>10.11.2019</a:t>
+              <a:t>14.11.2019</a:t>
             </a:fld>
             <a:endParaRPr lang="de-DE"/>
           </a:p>
@@ -1882,7 +1883,7 @@
           <a:p>
             <a:fld id="{3F796127-597D-4687-9E24-EC5AB0C17A24}" type="datetimeFigureOut">
               <a:rPr lang="de-DE" smtClean="0"/>
-              <a:t>10.11.2019</a:t>
+              <a:t>14.11.2019</a:t>
             </a:fld>
             <a:endParaRPr lang="de-DE"/>
           </a:p>
@@ -1977,7 +1978,7 @@
           <a:p>
             <a:fld id="{3F796127-597D-4687-9E24-EC5AB0C17A24}" type="datetimeFigureOut">
               <a:rPr lang="de-DE" smtClean="0"/>
-              <a:t>10.11.2019</a:t>
+              <a:t>14.11.2019</a:t>
             </a:fld>
             <a:endParaRPr lang="de-DE"/>
           </a:p>
@@ -2254,7 +2255,7 @@
           <a:p>
             <a:fld id="{3F796127-597D-4687-9E24-EC5AB0C17A24}" type="datetimeFigureOut">
               <a:rPr lang="de-DE" smtClean="0"/>
-              <a:t>10.11.2019</a:t>
+              <a:t>14.11.2019</a:t>
             </a:fld>
             <a:endParaRPr lang="de-DE"/>
           </a:p>
@@ -2507,7 +2508,7 @@
           <a:p>
             <a:fld id="{3F796127-597D-4687-9E24-EC5AB0C17A24}" type="datetimeFigureOut">
               <a:rPr lang="de-DE" smtClean="0"/>
-              <a:t>10.11.2019</a:t>
+              <a:t>14.11.2019</a:t>
             </a:fld>
             <a:endParaRPr lang="de-DE"/>
           </a:p>
@@ -2720,7 +2721,7 @@
           <a:p>
             <a:fld id="{3F796127-597D-4687-9E24-EC5AB0C17A24}" type="datetimeFigureOut">
               <a:rPr lang="de-DE" smtClean="0"/>
-              <a:t>10.11.2019</a:t>
+              <a:t>14.11.2019</a:t>
             </a:fld>
             <a:endParaRPr lang="de-DE"/>
           </a:p>
@@ -3161,6 +3162,82 @@
     <p:extLst>
       <p:ext uri="{BB962C8B-B14F-4D97-AF65-F5344CB8AC3E}">
         <p14:creationId xmlns:p14="http://schemas.microsoft.com/office/powerpoint/2010/main" val="3241750694"/>
+      </p:ext>
+    </p:extLst>
+  </p:cSld>
+  <p:clrMapOvr>
+    <a:masterClrMapping/>
+  </p:clrMapOvr>
+</p:sld>
+</file>
+
+<file path=ppt/slides/slide2.xml><?xml version="1.0" encoding="utf-8"?>
+<p:sld xmlns:a="http://schemas.openxmlformats.org/drawingml/2006/main" xmlns:r="http://schemas.openxmlformats.org/officeDocument/2006/relationships" xmlns:p="http://schemas.openxmlformats.org/presentationml/2006/main">
+  <p:cSld>
+    <p:spTree>
+      <p:nvGrpSpPr>
+        <p:cNvPr id="1" name=""/>
+        <p:cNvGrpSpPr/>
+        <p:nvPr/>
+      </p:nvGrpSpPr>
+      <p:grpSpPr>
+        <a:xfrm>
+          <a:off x="0" y="0"/>
+          <a:ext cx="0" cy="0"/>
+          <a:chOff x="0" y="0"/>
+          <a:chExt cx="0" cy="0"/>
+        </a:xfrm>
+      </p:grpSpPr>
+      <p:sp>
+        <p:nvSpPr>
+          <p:cNvPr id="2" name="Titel 1"/>
+          <p:cNvSpPr>
+            <a:spLocks noGrp="1"/>
+          </p:cNvSpPr>
+          <p:nvPr>
+            <p:ph type="ctrTitle"/>
+          </p:nvPr>
+        </p:nvSpPr>
+        <p:spPr/>
+        <p:txBody>
+          <a:bodyPr/>
+          <a:lstStyle/>
+          <a:p>
+            <a:r>
+              <a:rPr lang="de-DE" dirty="0" smtClean="0"/>
+              <a:t>Test</a:t>
+            </a:r>
+            <a:endParaRPr lang="de-DE" dirty="0"/>
+          </a:p>
+        </p:txBody>
+      </p:sp>
+      <p:sp>
+        <p:nvSpPr>
+          <p:cNvPr id="3" name="Untertitel 2"/>
+          <p:cNvSpPr>
+            <a:spLocks noGrp="1"/>
+          </p:cNvSpPr>
+          <p:nvPr>
+            <p:ph type="subTitle" idx="1"/>
+          </p:nvPr>
+        </p:nvSpPr>
+        <p:spPr/>
+        <p:txBody>
+          <a:bodyPr/>
+          <a:lstStyle/>
+          <a:p>
+            <a:r>
+              <a:rPr lang="de-DE" smtClean="0"/>
+              <a:t>Test world</a:t>
+            </a:r>
+            <a:endParaRPr lang="de-DE" dirty="0"/>
+          </a:p>
+        </p:txBody>
+      </p:sp>
+    </p:spTree>
+    <p:extLst>
+      <p:ext uri="{BB962C8B-B14F-4D97-AF65-F5344CB8AC3E}">
+        <p14:creationId xmlns:p14="http://schemas.microsoft.com/office/powerpoint/2010/main" val="3444979753"/>
       </p:ext>
     </p:extLst>
   </p:cSld>

--- a/Hello World.pptx
+++ b/Hello World.pptx
@@ -6,7 +6,6 @@
   </p:sldMasterIdLst>
   <p:sldIdLst>
     <p:sldId id="256" r:id="rId2"/>
-    <p:sldId id="257" r:id="rId3"/>
   </p:sldIdLst>
   <p:sldSz cx="9144000" cy="6858000" type="screen4x3"/>
   <p:notesSz cx="6858000" cy="9144000"/>
@@ -3112,14 +3111,20 @@
           <a:lstStyle/>
           <a:p>
             <a:r>
-              <a:rPr lang="de-DE" dirty="0" err="1" smtClean="0"/>
+              <a:rPr lang="de-DE" dirty="0" err="1" smtClean="0">
+                <a:latin typeface="Arial Black" panose="020B0A04020102020204" pitchFamily="34" charset="0"/>
+              </a:rPr>
               <a:t>Hello</a:t>
             </a:r>
             <a:r>
-              <a:rPr lang="de-DE" smtClean="0"/>
+              <a:rPr lang="de-DE" dirty="0" smtClean="0">
+                <a:latin typeface="Arial Black" panose="020B0A04020102020204" pitchFamily="34" charset="0"/>
+              </a:rPr>
               <a:t> World</a:t>
             </a:r>
-            <a:endParaRPr lang="de-DE"/>
+            <a:endParaRPr lang="de-DE" dirty="0">
+              <a:latin typeface="Arial Black" panose="020B0A04020102020204" pitchFamily="34" charset="0"/>
+            </a:endParaRPr>
           </a:p>
         </p:txBody>
       </p:sp>
@@ -3139,22 +3144,32 @@
           <a:lstStyle/>
           <a:p>
             <a:r>
-              <a:rPr lang="de-DE" dirty="0" err="1"/>
+              <a:rPr lang="de-DE" dirty="0" err="1">
+                <a:latin typeface="Magneto" panose="04030805050802020D02" pitchFamily="82" charset="0"/>
+              </a:rPr>
               <a:t>h</a:t>
             </a:r>
             <a:r>
-              <a:rPr lang="de-DE" smtClean="0"/>
+              <a:rPr lang="de-DE" dirty="0" err="1" smtClean="0">
+                <a:latin typeface="Magneto" panose="04030805050802020D02" pitchFamily="82" charset="0"/>
+              </a:rPr>
               <a:t>ello</a:t>
             </a:r>
             <a:r>
-              <a:rPr lang="de-DE" dirty="0" smtClean="0"/>
+              <a:rPr lang="de-DE" dirty="0" smtClean="0">
+                <a:latin typeface="Magneto" panose="04030805050802020D02" pitchFamily="82" charset="0"/>
+              </a:rPr>
               <a:t> </a:t>
             </a:r>
             <a:r>
-              <a:rPr lang="de-DE" dirty="0" err="1" smtClean="0"/>
+              <a:rPr lang="de-DE" dirty="0" err="1" smtClean="0">
+                <a:latin typeface="Magneto" panose="04030805050802020D02" pitchFamily="82" charset="0"/>
+              </a:rPr>
               <a:t>world</a:t>
             </a:r>
-            <a:endParaRPr lang="de-DE" dirty="0"/>
+            <a:endParaRPr lang="de-DE" dirty="0">
+              <a:latin typeface="Magneto" panose="04030805050802020D02" pitchFamily="82" charset="0"/>
+            </a:endParaRPr>
           </a:p>
         </p:txBody>
       </p:sp>
@@ -3162,82 +3177,6 @@
     <p:extLst>
       <p:ext uri="{BB962C8B-B14F-4D97-AF65-F5344CB8AC3E}">
         <p14:creationId xmlns:p14="http://schemas.microsoft.com/office/powerpoint/2010/main" val="3241750694"/>
-      </p:ext>
-    </p:extLst>
-  </p:cSld>
-  <p:clrMapOvr>
-    <a:masterClrMapping/>
-  </p:clrMapOvr>
-</p:sld>
-</file>
-
-<file path=ppt/slides/slide2.xml><?xml version="1.0" encoding="utf-8"?>
-<p:sld xmlns:a="http://schemas.openxmlformats.org/drawingml/2006/main" xmlns:r="http://schemas.openxmlformats.org/officeDocument/2006/relationships" xmlns:p="http://schemas.openxmlformats.org/presentationml/2006/main">
-  <p:cSld>
-    <p:spTree>
-      <p:nvGrpSpPr>
-        <p:cNvPr id="1" name=""/>
-        <p:cNvGrpSpPr/>
-        <p:nvPr/>
-      </p:nvGrpSpPr>
-      <p:grpSpPr>
-        <a:xfrm>
-          <a:off x="0" y="0"/>
-          <a:ext cx="0" cy="0"/>
-          <a:chOff x="0" y="0"/>
-          <a:chExt cx="0" cy="0"/>
-        </a:xfrm>
-      </p:grpSpPr>
-      <p:sp>
-        <p:nvSpPr>
-          <p:cNvPr id="2" name="Titel 1"/>
-          <p:cNvSpPr>
-            <a:spLocks noGrp="1"/>
-          </p:cNvSpPr>
-          <p:nvPr>
-            <p:ph type="ctrTitle"/>
-          </p:nvPr>
-        </p:nvSpPr>
-        <p:spPr/>
-        <p:txBody>
-          <a:bodyPr/>
-          <a:lstStyle/>
-          <a:p>
-            <a:r>
-              <a:rPr lang="de-DE" dirty="0" smtClean="0"/>
-              <a:t>Test</a:t>
-            </a:r>
-            <a:endParaRPr lang="de-DE" dirty="0"/>
-          </a:p>
-        </p:txBody>
-      </p:sp>
-      <p:sp>
-        <p:nvSpPr>
-          <p:cNvPr id="3" name="Untertitel 2"/>
-          <p:cNvSpPr>
-            <a:spLocks noGrp="1"/>
-          </p:cNvSpPr>
-          <p:nvPr>
-            <p:ph type="subTitle" idx="1"/>
-          </p:nvPr>
-        </p:nvSpPr>
-        <p:spPr/>
-        <p:txBody>
-          <a:bodyPr/>
-          <a:lstStyle/>
-          <a:p>
-            <a:r>
-              <a:rPr lang="de-DE" smtClean="0"/>
-              <a:t>Test world</a:t>
-            </a:r>
-            <a:endParaRPr lang="de-DE" dirty="0"/>
-          </a:p>
-        </p:txBody>
-      </p:sp>
-    </p:spTree>
-    <p:extLst>
-      <p:ext uri="{BB962C8B-B14F-4D97-AF65-F5344CB8AC3E}">
-        <p14:creationId xmlns:p14="http://schemas.microsoft.com/office/powerpoint/2010/main" val="3444979753"/>
       </p:ext>
     </p:extLst>
   </p:cSld>
